--- a/tester/presentation.pptx
+++ b/tester/presentation.pptx
@@ -192,6 +192,7 @@
           <a:p>
             <a:fld id="{CBA0DBA7-12F9-4A46-A7F6-DB4294F75EF9}" type="datetimeFigureOut">
               <a:rPr lang="en-US" smtClean="0"/>
+              <a:pPr/>
               <a:t>6/19/2025</a:t>
             </a:fld>
             <a:endParaRPr lang="en-US"/>
@@ -353,6 +354,7 @@
           <a:p>
             <a:fld id="{BA82CFE9-02C4-48CF-AF76-EFE2EBF6AB9D}" type="slidenum">
               <a:rPr lang="en-US" smtClean="0"/>
+              <a:pPr/>
               <a:t>‹#›</a:t>
             </a:fld>
             <a:endParaRPr lang="en-US"/>
@@ -524,6 +526,7 @@
           <a:p>
             <a:fld id="{BA82CFE9-02C4-48CF-AF76-EFE2EBF6AB9D}" type="slidenum">
               <a:rPr lang="en-US" smtClean="0"/>
+              <a:pPr/>
               <a:t>1</a:t>
             </a:fld>
             <a:endParaRPr lang="en-US"/>
@@ -720,7 +723,7 @@
             <a:fld id="{1D8BD707-D9CF-40AE-B4C6-C98DA3205C09}" type="datetimeFigureOut">
               <a:rPr lang="en-US" smtClean="0"/>
               <a:pPr/>
-              <a:t>6/18/2025</a:t>
+              <a:t>6/19/2025</a:t>
             </a:fld>
             <a:endParaRPr lang="en-US"/>
           </a:p>
@@ -887,7 +890,7 @@
             <a:fld id="{1D8BD707-D9CF-40AE-B4C6-C98DA3205C09}" type="datetimeFigureOut">
               <a:rPr lang="en-US" smtClean="0"/>
               <a:pPr/>
-              <a:t>6/18/2025</a:t>
+              <a:t>6/19/2025</a:t>
             </a:fld>
             <a:endParaRPr lang="en-US"/>
           </a:p>
@@ -1064,7 +1067,7 @@
             <a:fld id="{1D8BD707-D9CF-40AE-B4C6-C98DA3205C09}" type="datetimeFigureOut">
               <a:rPr lang="en-US" smtClean="0"/>
               <a:pPr/>
-              <a:t>6/18/2025</a:t>
+              <a:t>6/19/2025</a:t>
             </a:fld>
             <a:endParaRPr lang="en-US"/>
           </a:p>
@@ -1231,7 +1234,7 @@
             <a:fld id="{1D8BD707-D9CF-40AE-B4C6-C98DA3205C09}" type="datetimeFigureOut">
               <a:rPr lang="en-US" smtClean="0"/>
               <a:pPr/>
-              <a:t>6/18/2025</a:t>
+              <a:t>6/19/2025</a:t>
             </a:fld>
             <a:endParaRPr lang="en-US"/>
           </a:p>
@@ -1474,7 +1477,7 @@
             <a:fld id="{1D8BD707-D9CF-40AE-B4C6-C98DA3205C09}" type="datetimeFigureOut">
               <a:rPr lang="en-US" smtClean="0"/>
               <a:pPr/>
-              <a:t>6/18/2025</a:t>
+              <a:t>6/19/2025</a:t>
             </a:fld>
             <a:endParaRPr lang="en-US"/>
           </a:p>
@@ -1759,7 +1762,7 @@
             <a:fld id="{1D8BD707-D9CF-40AE-B4C6-C98DA3205C09}" type="datetimeFigureOut">
               <a:rPr lang="en-US" smtClean="0"/>
               <a:pPr/>
-              <a:t>6/18/2025</a:t>
+              <a:t>6/19/2025</a:t>
             </a:fld>
             <a:endParaRPr lang="en-US"/>
           </a:p>
@@ -2178,7 +2181,7 @@
             <a:fld id="{1D8BD707-D9CF-40AE-B4C6-C98DA3205C09}" type="datetimeFigureOut">
               <a:rPr lang="en-US" smtClean="0"/>
               <a:pPr/>
-              <a:t>6/18/2025</a:t>
+              <a:t>6/19/2025</a:t>
             </a:fld>
             <a:endParaRPr lang="en-US"/>
           </a:p>
@@ -2293,7 +2296,7 @@
             <a:fld id="{1D8BD707-D9CF-40AE-B4C6-C98DA3205C09}" type="datetimeFigureOut">
               <a:rPr lang="en-US" smtClean="0"/>
               <a:pPr/>
-              <a:t>6/18/2025</a:t>
+              <a:t>6/19/2025</a:t>
             </a:fld>
             <a:endParaRPr lang="en-US"/>
           </a:p>
@@ -2385,7 +2388,7 @@
             <a:fld id="{1D8BD707-D9CF-40AE-B4C6-C98DA3205C09}" type="datetimeFigureOut">
               <a:rPr lang="en-US" smtClean="0"/>
               <a:pPr/>
-              <a:t>6/18/2025</a:t>
+              <a:t>6/19/2025</a:t>
             </a:fld>
             <a:endParaRPr lang="en-US"/>
           </a:p>
@@ -2659,7 +2662,7 @@
             <a:fld id="{1D8BD707-D9CF-40AE-B4C6-C98DA3205C09}" type="datetimeFigureOut">
               <a:rPr lang="en-US" smtClean="0"/>
               <a:pPr/>
-              <a:t>6/18/2025</a:t>
+              <a:t>6/19/2025</a:t>
             </a:fld>
             <a:endParaRPr lang="en-US"/>
           </a:p>
@@ -2909,7 +2912,7 @@
             <a:fld id="{1D8BD707-D9CF-40AE-B4C6-C98DA3205C09}" type="datetimeFigureOut">
               <a:rPr lang="en-US" smtClean="0"/>
               <a:pPr/>
-              <a:t>6/18/2025</a:t>
+              <a:t>6/19/2025</a:t>
             </a:fld>
             <a:endParaRPr lang="en-US"/>
           </a:p>
@@ -3119,7 +3122,7 @@
             <a:fld id="{1D8BD707-D9CF-40AE-B4C6-C98DA3205C09}" type="datetimeFigureOut">
               <a:rPr lang="en-US" smtClean="0"/>
               <a:pPr/>
-              <a:t>6/18/2025</a:t>
+              <a:t>6/19/2025</a:t>
             </a:fld>
             <a:endParaRPr lang="en-US"/>
           </a:p>
@@ -4028,7 +4031,7 @@
         </p:nvSpPr>
         <p:spPr>
           <a:xfrm>
-            <a:off x="4267200" y="1905000"/>
+            <a:off x="4267200" y="2133600"/>
             <a:ext cx="1981200" cy="923330"/>
           </a:xfrm>
           <a:prstGeom prst="rect">
@@ -4071,7 +4074,7 @@
         </p:nvSpPr>
         <p:spPr>
           <a:xfrm>
-            <a:off x="4495800" y="2057400"/>
+            <a:off x="4495800" y="2362200"/>
             <a:ext cx="1600200" cy="646331"/>
           </a:xfrm>
           <a:prstGeom prst="rect">
@@ -5274,12 +5277,12 @@
                                 </p:cTn>
                               </p:par>
                               <p:par>
-                                <p:cTn id="103" presetID="0" presetClass="path" presetSubtype="0" accel="50000" decel="50000" fill="hold" grpId="0" nodeType="withEffect">
+                                <p:cTn id="103" presetID="0" presetClass="path" presetSubtype="0" accel="50000" decel="50000" fill="hold" grpId="2" nodeType="withEffect">
                                   <p:stCondLst>
                                     <p:cond delay="0"/>
                                   </p:stCondLst>
                                   <p:childTnLst>
-                                    <p:animMotion origin="layout" path="M 0 0 L 0.10833 0 " pathEditMode="relative" ptsTypes="AA">
+                                    <p:animMotion origin="layout" path="M 0 0 L 0.10834 0 " pathEditMode="relative" ptsTypes="AA">
                                       <p:cBhvr>
                                         <p:cTn id="104" dur="2000" fill="hold"/>
                                         <p:tgtEl>
@@ -5295,12 +5298,12 @@
                                 </p:cTn>
                               </p:par>
                               <p:par>
-                                <p:cTn id="105" presetID="0" presetClass="path" presetSubtype="0" accel="50000" decel="50000" fill="hold" grpId="0" nodeType="withEffect">
+                                <p:cTn id="105" presetID="0" presetClass="path" presetSubtype="0" accel="50000" decel="50000" fill="hold" grpId="2" nodeType="withEffect">
                                   <p:stCondLst>
                                     <p:cond delay="0"/>
                                   </p:stCondLst>
                                   <p:childTnLst>
-                                    <p:animMotion origin="layout" path="M 0 0 L -0.08334 0 " pathEditMode="relative" ptsTypes="AA">
+                                    <p:animMotion origin="layout" path="M 0 0 L -0.08333 0 " pathEditMode="relative" ptsTypes="AA">
                                       <p:cBhvr>
                                         <p:cTn id="106" dur="2000" fill="hold"/>
                                         <p:tgtEl>
@@ -5856,8 +5859,10 @@
       <p:bldP spid="21" grpId="2"/>
       <p:bldP spid="26" grpId="0"/>
       <p:bldP spid="26" grpId="1"/>
+      <p:bldP spid="26" grpId="2"/>
       <p:bldP spid="30" grpId="0"/>
       <p:bldP spid="30" grpId="1"/>
+      <p:bldP spid="30" grpId="2"/>
       <p:bldP spid="31" grpId="0" animBg="1"/>
       <p:bldP spid="31" grpId="1" animBg="1"/>
       <p:bldP spid="32" grpId="0"/>
